--- a/storage/O101O1O1O.pptx
+++ b/storage/O101O1O1O.pptx
@@ -7,9 +7,13 @@
   <p:sldIdLst>
     <p:sldId id="256" r:id="rId2"/>
     <p:sldId id="257" r:id="rId3"/>
+    <p:sldId id="258" r:id="rId4"/>
+    <p:sldId id="259" r:id="rId5"/>
+    <p:sldId id="260" r:id="rId6"/>
+    <p:sldId id="261" r:id="rId7"/>
   </p:sldIdLst>
   <p:notesMasterIdLst>
-    <p:notesMasterId r:id="rId4"/>
+    <p:notesMasterId r:id="rId8"/>
   </p:notesMasterIdLst>
   <p:sldSz cx="9144000" cy="5143500"/>
   <p:notesSz cx="5143500" cy="9144000"/>
@@ -633,6 +637,358 @@
 </p:notes>
 </file>
 
+<file path=ppt/notesSlides/notesSlide3.xml><?xml version="1.0" encoding="utf-8"?>
+<p:notes xmlns:a="http://schemas.openxmlformats.org/drawingml/2006/main" xmlns:r="http://schemas.openxmlformats.org/officeDocument/2006/relationships" xmlns:p="http://schemas.openxmlformats.org/presentationml/2006/main">
+  <p:cSld>
+    <p:spTree>
+      <p:nvGrpSpPr>
+        <p:cNvPr id="1" name=""/>
+        <p:cNvGrpSpPr/>
+        <p:nvPr/>
+      </p:nvGrpSpPr>
+      <p:grpSpPr>
+        <a:xfrm>
+          <a:off x="0" y="0"/>
+          <a:ext cx="0" cy="0"/>
+          <a:chOff x="0" y="0"/>
+          <a:chExt cx="0" cy="0"/>
+        </a:xfrm>
+      </p:grpSpPr>
+      <p:sp>
+        <p:nvSpPr>
+          <p:cNvPr id="2" name="Slide Image Placeholder 1"/>
+          <p:cNvSpPr>
+            <a:spLocks noGrp="1" noRot="1" noChangeAspect="1"/>
+          </p:cNvSpPr>
+          <p:nvPr>
+            <p:ph type="sldImg"/>
+          </p:nvPr>
+        </p:nvSpPr>
+        <p:spPr/>
+      </p:sp>
+      <p:sp>
+        <p:nvSpPr>
+          <p:cNvPr id="3" name="Notes Placeholder 2"/>
+          <p:cNvSpPr>
+            <a:spLocks noGrp="1"/>
+          </p:cNvSpPr>
+          <p:nvPr>
+            <p:ph type="body" idx="1"/>
+          </p:nvPr>
+        </p:nvSpPr>
+        <p:spPr/>
+        <p:txBody>
+          <a:bodyPr/>
+          <a:lstStyle/>
+          <a:p>
+            <a:r>
+              <a:rPr lang="en-US" dirty="0"/>
+              <a:t/>
+            </a:r>
+            <a:endParaRPr lang="en-US" dirty="0"/>
+          </a:p>
+        </p:txBody>
+      </p:sp>
+      <p:sp>
+        <p:nvSpPr>
+          <p:cNvPr id="4" name="Slide Number Placeholder 3"/>
+          <p:cNvSpPr>
+            <a:spLocks noGrp="1"/>
+          </p:cNvSpPr>
+          <p:nvPr>
+            <p:ph type="sldNum" sz="quarter" idx="10"/>
+          </p:nvPr>
+        </p:nvSpPr>
+        <p:spPr/>
+        <p:txBody>
+          <a:bodyPr/>
+          <a:lstStyle/>
+          <a:p>
+            <a:fld id="{F7021451-1387-4CA6-816F-3879F97B5CBC}" type="slidenum">
+              <a:rPr lang="en-US"/>
+              <a:t>3</a:t>
+            </a:fld>
+            <a:endParaRPr lang="en-US"/>
+          </a:p>
+        </p:txBody>
+      </p:sp>
+    </p:spTree>
+    <p:extLst>
+      <p:ext uri="{BB962C8B-B14F-4D97-AF65-F5344CB8AC3E}">
+        <p14:creationId xmlns:p14="http://schemas.microsoft.com/office/powerpoint/2010/main" val="1024086991"/>
+      </p:ext>
+    </p:extLst>
+  </p:cSld>
+  <p:clrMapOvr>
+    <a:masterClrMapping/>
+  </p:clrMapOvr>
+</p:notes>
+</file>
+
+<file path=ppt/notesSlides/notesSlide4.xml><?xml version="1.0" encoding="utf-8"?>
+<p:notes xmlns:a="http://schemas.openxmlformats.org/drawingml/2006/main" xmlns:r="http://schemas.openxmlformats.org/officeDocument/2006/relationships" xmlns:p="http://schemas.openxmlformats.org/presentationml/2006/main">
+  <p:cSld>
+    <p:spTree>
+      <p:nvGrpSpPr>
+        <p:cNvPr id="1" name=""/>
+        <p:cNvGrpSpPr/>
+        <p:nvPr/>
+      </p:nvGrpSpPr>
+      <p:grpSpPr>
+        <a:xfrm>
+          <a:off x="0" y="0"/>
+          <a:ext cx="0" cy="0"/>
+          <a:chOff x="0" y="0"/>
+          <a:chExt cx="0" cy="0"/>
+        </a:xfrm>
+      </p:grpSpPr>
+      <p:sp>
+        <p:nvSpPr>
+          <p:cNvPr id="2" name="Slide Image Placeholder 1"/>
+          <p:cNvSpPr>
+            <a:spLocks noGrp="1" noRot="1" noChangeAspect="1"/>
+          </p:cNvSpPr>
+          <p:nvPr>
+            <p:ph type="sldImg"/>
+          </p:nvPr>
+        </p:nvSpPr>
+        <p:spPr/>
+      </p:sp>
+      <p:sp>
+        <p:nvSpPr>
+          <p:cNvPr id="3" name="Notes Placeholder 2"/>
+          <p:cNvSpPr>
+            <a:spLocks noGrp="1"/>
+          </p:cNvSpPr>
+          <p:nvPr>
+            <p:ph type="body" idx="1"/>
+          </p:nvPr>
+        </p:nvSpPr>
+        <p:spPr/>
+        <p:txBody>
+          <a:bodyPr/>
+          <a:lstStyle/>
+          <a:p>
+            <a:r>
+              <a:rPr lang="en-US" dirty="0"/>
+              <a:t/>
+            </a:r>
+            <a:endParaRPr lang="en-US" dirty="0"/>
+          </a:p>
+        </p:txBody>
+      </p:sp>
+      <p:sp>
+        <p:nvSpPr>
+          <p:cNvPr id="4" name="Slide Number Placeholder 3"/>
+          <p:cNvSpPr>
+            <a:spLocks noGrp="1"/>
+          </p:cNvSpPr>
+          <p:nvPr>
+            <p:ph type="sldNum" sz="quarter" idx="10"/>
+          </p:nvPr>
+        </p:nvSpPr>
+        <p:spPr/>
+        <p:txBody>
+          <a:bodyPr/>
+          <a:lstStyle/>
+          <a:p>
+            <a:fld id="{F7021451-1387-4CA6-816F-3879F97B5CBC}" type="slidenum">
+              <a:rPr lang="en-US"/>
+              <a:t>4</a:t>
+            </a:fld>
+            <a:endParaRPr lang="en-US"/>
+          </a:p>
+        </p:txBody>
+      </p:sp>
+    </p:spTree>
+    <p:extLst>
+      <p:ext uri="{BB962C8B-B14F-4D97-AF65-F5344CB8AC3E}">
+        <p14:creationId xmlns:p14="http://schemas.microsoft.com/office/powerpoint/2010/main" val="1024086991"/>
+      </p:ext>
+    </p:extLst>
+  </p:cSld>
+  <p:clrMapOvr>
+    <a:masterClrMapping/>
+  </p:clrMapOvr>
+</p:notes>
+</file>
+
+<file path=ppt/notesSlides/notesSlide5.xml><?xml version="1.0" encoding="utf-8"?>
+<p:notes xmlns:a="http://schemas.openxmlformats.org/drawingml/2006/main" xmlns:r="http://schemas.openxmlformats.org/officeDocument/2006/relationships" xmlns:p="http://schemas.openxmlformats.org/presentationml/2006/main">
+  <p:cSld>
+    <p:spTree>
+      <p:nvGrpSpPr>
+        <p:cNvPr id="1" name=""/>
+        <p:cNvGrpSpPr/>
+        <p:nvPr/>
+      </p:nvGrpSpPr>
+      <p:grpSpPr>
+        <a:xfrm>
+          <a:off x="0" y="0"/>
+          <a:ext cx="0" cy="0"/>
+          <a:chOff x="0" y="0"/>
+          <a:chExt cx="0" cy="0"/>
+        </a:xfrm>
+      </p:grpSpPr>
+      <p:sp>
+        <p:nvSpPr>
+          <p:cNvPr id="2" name="Slide Image Placeholder 1"/>
+          <p:cNvSpPr>
+            <a:spLocks noGrp="1" noRot="1" noChangeAspect="1"/>
+          </p:cNvSpPr>
+          <p:nvPr>
+            <p:ph type="sldImg"/>
+          </p:nvPr>
+        </p:nvSpPr>
+        <p:spPr/>
+      </p:sp>
+      <p:sp>
+        <p:nvSpPr>
+          <p:cNvPr id="3" name="Notes Placeholder 2"/>
+          <p:cNvSpPr>
+            <a:spLocks noGrp="1"/>
+          </p:cNvSpPr>
+          <p:nvPr>
+            <p:ph type="body" idx="1"/>
+          </p:nvPr>
+        </p:nvSpPr>
+        <p:spPr/>
+        <p:txBody>
+          <a:bodyPr/>
+          <a:lstStyle/>
+          <a:p>
+            <a:r>
+              <a:rPr lang="en-US" dirty="0"/>
+              <a:t/>
+            </a:r>
+            <a:endParaRPr lang="en-US" dirty="0"/>
+          </a:p>
+        </p:txBody>
+      </p:sp>
+      <p:sp>
+        <p:nvSpPr>
+          <p:cNvPr id="4" name="Slide Number Placeholder 3"/>
+          <p:cNvSpPr>
+            <a:spLocks noGrp="1"/>
+          </p:cNvSpPr>
+          <p:nvPr>
+            <p:ph type="sldNum" sz="quarter" idx="10"/>
+          </p:nvPr>
+        </p:nvSpPr>
+        <p:spPr/>
+        <p:txBody>
+          <a:bodyPr/>
+          <a:lstStyle/>
+          <a:p>
+            <a:fld id="{F7021451-1387-4CA6-816F-3879F97B5CBC}" type="slidenum">
+              <a:rPr lang="en-US"/>
+              <a:t>5</a:t>
+            </a:fld>
+            <a:endParaRPr lang="en-US"/>
+          </a:p>
+        </p:txBody>
+      </p:sp>
+    </p:spTree>
+    <p:extLst>
+      <p:ext uri="{BB962C8B-B14F-4D97-AF65-F5344CB8AC3E}">
+        <p14:creationId xmlns:p14="http://schemas.microsoft.com/office/powerpoint/2010/main" val="1024086991"/>
+      </p:ext>
+    </p:extLst>
+  </p:cSld>
+  <p:clrMapOvr>
+    <a:masterClrMapping/>
+  </p:clrMapOvr>
+</p:notes>
+</file>
+
+<file path=ppt/notesSlides/notesSlide6.xml><?xml version="1.0" encoding="utf-8"?>
+<p:notes xmlns:a="http://schemas.openxmlformats.org/drawingml/2006/main" xmlns:r="http://schemas.openxmlformats.org/officeDocument/2006/relationships" xmlns:p="http://schemas.openxmlformats.org/presentationml/2006/main">
+  <p:cSld>
+    <p:spTree>
+      <p:nvGrpSpPr>
+        <p:cNvPr id="1" name=""/>
+        <p:cNvGrpSpPr/>
+        <p:nvPr/>
+      </p:nvGrpSpPr>
+      <p:grpSpPr>
+        <a:xfrm>
+          <a:off x="0" y="0"/>
+          <a:ext cx="0" cy="0"/>
+          <a:chOff x="0" y="0"/>
+          <a:chExt cx="0" cy="0"/>
+        </a:xfrm>
+      </p:grpSpPr>
+      <p:sp>
+        <p:nvSpPr>
+          <p:cNvPr id="2" name="Slide Image Placeholder 1"/>
+          <p:cNvSpPr>
+            <a:spLocks noGrp="1" noRot="1" noChangeAspect="1"/>
+          </p:cNvSpPr>
+          <p:nvPr>
+            <p:ph type="sldImg"/>
+          </p:nvPr>
+        </p:nvSpPr>
+        <p:spPr/>
+      </p:sp>
+      <p:sp>
+        <p:nvSpPr>
+          <p:cNvPr id="3" name="Notes Placeholder 2"/>
+          <p:cNvSpPr>
+            <a:spLocks noGrp="1"/>
+          </p:cNvSpPr>
+          <p:nvPr>
+            <p:ph type="body" idx="1"/>
+          </p:nvPr>
+        </p:nvSpPr>
+        <p:spPr/>
+        <p:txBody>
+          <a:bodyPr/>
+          <a:lstStyle/>
+          <a:p>
+            <a:r>
+              <a:rPr lang="en-US" dirty="0"/>
+              <a:t/>
+            </a:r>
+            <a:endParaRPr lang="en-US" dirty="0"/>
+          </a:p>
+        </p:txBody>
+      </p:sp>
+      <p:sp>
+        <p:nvSpPr>
+          <p:cNvPr id="4" name="Slide Number Placeholder 3"/>
+          <p:cNvSpPr>
+            <a:spLocks noGrp="1"/>
+          </p:cNvSpPr>
+          <p:nvPr>
+            <p:ph type="sldNum" sz="quarter" idx="10"/>
+          </p:nvPr>
+        </p:nvSpPr>
+        <p:spPr/>
+        <p:txBody>
+          <a:bodyPr/>
+          <a:lstStyle/>
+          <a:p>
+            <a:fld id="{F7021451-1387-4CA6-816F-3879F97B5CBC}" type="slidenum">
+              <a:rPr lang="en-US"/>
+              <a:t>6</a:t>
+            </a:fld>
+            <a:endParaRPr lang="en-US"/>
+          </a:p>
+        </p:txBody>
+      </p:sp>
+    </p:spTree>
+    <p:extLst>
+      <p:ext uri="{BB962C8B-B14F-4D97-AF65-F5344CB8AC3E}">
+        <p14:creationId xmlns:p14="http://schemas.microsoft.com/office/powerpoint/2010/main" val="1024086991"/>
+      </p:ext>
+    </p:extLst>
+  </p:cSld>
+  <p:clrMapOvr>
+    <a:masterClrMapping/>
+  </p:clrMapOvr>
+</p:notes>
+</file>
+
 <file path=ppt/slideLayouts/slideLayout1.xml><?xml version="1.0" encoding="utf-8"?>
 <p:sldLayout xmlns:a="http://schemas.openxmlformats.org/drawingml/2006/main" xmlns:r="http://schemas.openxmlformats.org/officeDocument/2006/relationships" xmlns:p="http://schemas.openxmlformats.org/presentationml/2006/main" preserve="1">
   <p:cSld name="DEFAULT">
@@ -972,7 +1328,7 @@
             <a:avLst/>
           </a:prstGeom>
           <a:solidFill>
-            <a:srgbClr val="F5A623"/>
+            <a:srgbClr val="9013FE"/>
           </a:solidFill>
           <a:ln/>
         </p:spPr>
@@ -1002,20 +1358,20 @@
               <a:buNone/>
             </a:pPr>
             <a:r>
-              <a:rPr lang="en-US" sz="2400" b="1" dirty="0">
+              <a:rPr lang="en-US" sz="2250" b="1" dirty="0">
                 <a:solidFill>
                   <a:srgbClr val="FFFFFF"/>
                 </a:solidFill>
               </a:rPr>
-              <a:t>Hello World</a:t>
+              <a:t>Роль искусственного интеллекта в будущем</a:t>
             </a:r>
-            <a:endParaRPr lang="en-US" sz="2400" dirty="0"/>
+            <a:endParaRPr lang="en-US" sz="2250" dirty="0"/>
           </a:p>
         </p:txBody>
       </p:sp>
       <p:pic>
         <p:nvPicPr>
-          <p:cNvPr id="4" name="Image 0" descr="C:\Users\igoru\WebStormProject\presentationBot\pictures\logo.jpg">    </p:cNvPr>
+          <p:cNvPr id="4" name="Image 0" descr="C:\Users\igoru\WebStormProject\TelegramBotPresintation\pictures\logo.png">    </p:cNvPr>
           <p:cNvPicPr>
             <a:picLocks noChangeAspect="1"/>
           </p:cNvPicPr>
@@ -1077,7 +1433,7 @@
             <a:avLst/>
           </a:prstGeom>
           <a:solidFill>
-            <a:srgbClr val="F5A623"/>
+            <a:srgbClr val="9013FE"/>
           </a:solidFill>
           <a:ln/>
         </p:spPr>
@@ -1112,7 +1468,7 @@
                   <a:srgbClr val="FFFFFF"/>
                 </a:solidFill>
               </a:rPr>
-              <a:t>Im gay</a:t>
+              <a:t>Введение: ИИ - двигатель перемен</a:t>
             </a:r>
             <a:endParaRPr lang="en-US" sz="1500" dirty="0"/>
           </a:p>
@@ -1143,14 +1499,482 @@
               <a:buNone/>
             </a:pPr>
             <a:r>
-              <a:rPr lang="en-US" sz="1400" dirty="0">
+              <a:rPr lang="en-US" sz="1108" dirty="0">
                 <a:solidFill>
                   <a:srgbClr val="FFFFFF"/>
                 </a:solidFill>
               </a:rPr>
-              <a:t>awdygvb ajwduagwd awd awfdt awd</a:t>
+              <a:t>Искусственный интеллект (ИИ) стремительно меняет мир, проникая во все сферы жизни – от здравоохранения и образования до финансов и развлечений.  Его потенциал огромен, и предсказать все последствия его развития сложно.  Однако, уже сейчас мы можем наблюдать значительные трансформации, вызванные ИИ.  Автоматизация рутинных задач, улучшение качества диагностики заболеваний, персонализированное обучение – это лишь малая часть того, что ИИ уже делает возможным. В этой презентации мы рассмотрим наиболее вероятные сценарии развития ИИ и его влияние на будущее человечества.  Будет ли ИИ инструментом прогресса и благополучия, или же он создаст новые вызовы и угрозы? Ответ на этот вопрос зависит от многих факторов, включая этические соображения, регулирование и ответственное развитие технологий.  Ключевым моментом является понимание того, как ИИ может быть использован во благо общества, минимизируя потенциальные риски.</a:t>
             </a:r>
-            <a:endParaRPr lang="en-US" sz="1400" dirty="0"/>
+            <a:endParaRPr lang="en-US" sz="1108" dirty="0"/>
+          </a:p>
+        </p:txBody>
+      </p:sp>
+    </p:spTree>
+  </p:cSld>
+  <p:clrMapOvr>
+    <a:masterClrMapping/>
+  </p:clrMapOvr>
+</p:sld>
+</file>
+
+<file path=ppt/slides/slide3.xml><?xml version="1.0" encoding="utf-8"?>
+<p:sld xmlns:a="http://schemas.openxmlformats.org/drawingml/2006/main" xmlns:r="http://schemas.openxmlformats.org/officeDocument/2006/relationships" xmlns:p="http://schemas.openxmlformats.org/presentationml/2006/main">
+  <p:cSld name="Slide 3">
+    <p:spTree>
+      <p:nvGrpSpPr>
+        <p:cNvPr id="1" name=""/>
+        <p:cNvGrpSpPr/>
+        <p:nvPr/>
+      </p:nvGrpSpPr>
+      <p:grpSpPr>
+        <a:xfrm>
+          <a:off x="0" y="0"/>
+          <a:ext cx="0" cy="0"/>
+          <a:chOff x="0" y="0"/>
+          <a:chExt cx="0" cy="0"/>
+        </a:xfrm>
+      </p:grpSpPr>
+      <p:sp>
+        <p:nvSpPr>
+          <p:cNvPr id="2" name="Shape 0"/>
+          <p:cNvSpPr/>
+          <p:nvPr/>
+        </p:nvSpPr>
+        <p:spPr>
+          <a:xfrm>
+            <a:off x="0" y="0"/>
+            <a:ext cx="9144000" cy="5143500"/>
+          </a:xfrm>
+          <a:prstGeom prst="rect">
+            <a:avLst/>
+          </a:prstGeom>
+          <a:solidFill>
+            <a:srgbClr val="9013FE"/>
+          </a:solidFill>
+          <a:ln/>
+        </p:spPr>
+      </p:sp>
+      <p:sp>
+        <p:nvSpPr>
+          <p:cNvPr id="3" name="Text 1"/>
+          <p:cNvSpPr/>
+          <p:nvPr/>
+        </p:nvSpPr>
+        <p:spPr>
+          <a:xfrm>
+            <a:off x="914400" y="914400"/>
+            <a:ext cx="7315200" cy="0"/>
+          </a:xfrm>
+          <a:prstGeom prst="rect">
+            <a:avLst/>
+          </a:prstGeom>
+          <a:noFill/>
+          <a:ln/>
+        </p:spPr>
+        <p:txBody>
+          <a:bodyPr wrap="square" rtlCol="0" anchor="t"/>
+          <a:lstStyle/>
+          <a:p>
+            <a:pPr indent="0" marL="0">
+              <a:buNone/>
+            </a:pPr>
+            <a:r>
+              <a:rPr lang="en-US" sz="1500" b="1" dirty="0">
+                <a:solidFill>
+                  <a:srgbClr val="FFFFFF"/>
+                </a:solidFill>
+              </a:rPr>
+              <a:t>ИИ в здравоохранении: новые возможности и вызовы</a:t>
+            </a:r>
+            <a:endParaRPr lang="en-US" sz="1500" dirty="0"/>
+          </a:p>
+        </p:txBody>
+      </p:sp>
+      <p:sp>
+        <p:nvSpPr>
+          <p:cNvPr id="4" name="Text 2"/>
+          <p:cNvSpPr/>
+          <p:nvPr/>
+        </p:nvSpPr>
+        <p:spPr>
+          <a:xfrm>
+            <a:off x="914400" y="1828800"/>
+            <a:ext cx="7315200" cy="0"/>
+          </a:xfrm>
+          <a:prstGeom prst="rect">
+            <a:avLst/>
+          </a:prstGeom>
+          <a:noFill/>
+          <a:ln/>
+        </p:spPr>
+        <p:txBody>
+          <a:bodyPr wrap="square" rtlCol="0" anchor="t"/>
+          <a:lstStyle/>
+          <a:p>
+            <a:pPr indent="0" marL="0">
+              <a:buNone/>
+            </a:pPr>
+            <a:r>
+              <a:rPr lang="en-US" sz="1097" dirty="0">
+                <a:solidFill>
+                  <a:srgbClr val="FFFFFF"/>
+                </a:solidFill>
+              </a:rPr>
+              <a:t>Искусственный интеллект революционизирует здравоохранение.  Системы компьютерного зрения способны с высокой точностью диагностировать заболевания по медицинским изображениям, значительно превосходя возможности человеческого глаза.  Машинное обучение позволяет предсказывать риски развития заболеваний и персонализировать лечение.  Роботизированные хирургические системы повышают точность и эффективность операций, сокращая время восстановления пациентов.  Однако, внедрение ИИ в здравоохранении сопряжено с рядом вызовов.  Обеспечение безопасности и конфиденциальности медицинских данных имеет первостепенное значение.  Необходимость в обучении медицинского персонала работе с новыми технологиями и этические вопросы, связанные с принятием решений на основе ИИ, требуют тщательного рассмотрения.  В будущем, ИИ может привести к созданию персонализированной медицины, где лечение будет подбираться индивидуально, с учетом генетических особенностей и образа жизни пациента, что значительно повысит эффективность и безопасность лечения.</a:t>
+            </a:r>
+            <a:endParaRPr lang="en-US" sz="1097" dirty="0"/>
+          </a:p>
+        </p:txBody>
+      </p:sp>
+    </p:spTree>
+  </p:cSld>
+  <p:clrMapOvr>
+    <a:masterClrMapping/>
+  </p:clrMapOvr>
+</p:sld>
+</file>
+
+<file path=ppt/slides/slide4.xml><?xml version="1.0" encoding="utf-8"?>
+<p:sld xmlns:a="http://schemas.openxmlformats.org/drawingml/2006/main" xmlns:r="http://schemas.openxmlformats.org/officeDocument/2006/relationships" xmlns:p="http://schemas.openxmlformats.org/presentationml/2006/main">
+  <p:cSld name="Slide 4">
+    <p:spTree>
+      <p:nvGrpSpPr>
+        <p:cNvPr id="1" name=""/>
+        <p:cNvGrpSpPr/>
+        <p:nvPr/>
+      </p:nvGrpSpPr>
+      <p:grpSpPr>
+        <a:xfrm>
+          <a:off x="0" y="0"/>
+          <a:ext cx="0" cy="0"/>
+          <a:chOff x="0" y="0"/>
+          <a:chExt cx="0" cy="0"/>
+        </a:xfrm>
+      </p:grpSpPr>
+      <p:sp>
+        <p:nvSpPr>
+          <p:cNvPr id="2" name="Shape 0"/>
+          <p:cNvSpPr/>
+          <p:nvPr/>
+        </p:nvSpPr>
+        <p:spPr>
+          <a:xfrm>
+            <a:off x="0" y="0"/>
+            <a:ext cx="9144000" cy="5143500"/>
+          </a:xfrm>
+          <a:prstGeom prst="rect">
+            <a:avLst/>
+          </a:prstGeom>
+          <a:solidFill>
+            <a:srgbClr val="9013FE"/>
+          </a:solidFill>
+          <a:ln/>
+        </p:spPr>
+      </p:sp>
+      <p:sp>
+        <p:nvSpPr>
+          <p:cNvPr id="3" name="Text 1"/>
+          <p:cNvSpPr/>
+          <p:nvPr/>
+        </p:nvSpPr>
+        <p:spPr>
+          <a:xfrm>
+            <a:off x="914400" y="914400"/>
+            <a:ext cx="7315200" cy="0"/>
+          </a:xfrm>
+          <a:prstGeom prst="rect">
+            <a:avLst/>
+          </a:prstGeom>
+          <a:noFill/>
+          <a:ln/>
+        </p:spPr>
+        <p:txBody>
+          <a:bodyPr wrap="square" rtlCol="0" anchor="t"/>
+          <a:lstStyle/>
+          <a:p>
+            <a:pPr indent="0" marL="0">
+              <a:buNone/>
+            </a:pPr>
+            <a:r>
+              <a:rPr lang="en-US" sz="1500" b="1" dirty="0">
+                <a:solidFill>
+                  <a:srgbClr val="FFFFFF"/>
+                </a:solidFill>
+              </a:rPr>
+              <a:t>ИИ в экономике: автоматизация и новые рабочие места</a:t>
+            </a:r>
+            <a:endParaRPr lang="en-US" sz="1500" dirty="0"/>
+          </a:p>
+        </p:txBody>
+      </p:sp>
+      <p:sp>
+        <p:nvSpPr>
+          <p:cNvPr id="4" name="Text 2"/>
+          <p:cNvSpPr/>
+          <p:nvPr/>
+        </p:nvSpPr>
+        <p:spPr>
+          <a:xfrm>
+            <a:off x="914400" y="1828800"/>
+            <a:ext cx="7315200" cy="0"/>
+          </a:xfrm>
+          <a:prstGeom prst="rect">
+            <a:avLst/>
+          </a:prstGeom>
+          <a:noFill/>
+          <a:ln/>
+        </p:spPr>
+        <p:txBody>
+          <a:bodyPr wrap="square" rtlCol="0" anchor="t"/>
+          <a:lstStyle/>
+          <a:p>
+            <a:pPr indent="0" marL="0">
+              <a:buNone/>
+            </a:pPr>
+            <a:r>
+              <a:rPr lang="en-US" sz="1114" dirty="0">
+                <a:solidFill>
+                  <a:srgbClr val="FFFFFF"/>
+                </a:solidFill>
+              </a:rPr>
+              <a:t>ИИ оказывает глубокое влияние на экономику, автоматизируя множество производственных и управленческих процессов.  Это приводит к повышению производительности труда и снижению издержек, но одновременно вызывает опасения по поводу сокращения рабочих мест.  Однако,  внедрение ИИ также создает новые возможности для занятости в сфере разработки, обслуживания и управления ИИ-системами.  Важно понимать, что ИИ не заменит человека полностью, а скорее изменит характер работы, требуя новых навыков и компетенций.  Будущее экономики будет определяться тем, насколько эффективно мы сможем адаптироваться к этим изменениям, инвестируя в образование и переподготовку кадров, а также развивая новые отрасли, основанные на ИИ.  В долгосрочной перспективе ИИ может привести к росту экономической производительности и улучшению качества жизни, если будет использован разумно и ответственно.</a:t>
+            </a:r>
+            <a:endParaRPr lang="en-US" sz="1114" dirty="0"/>
+          </a:p>
+        </p:txBody>
+      </p:sp>
+    </p:spTree>
+  </p:cSld>
+  <p:clrMapOvr>
+    <a:masterClrMapping/>
+  </p:clrMapOvr>
+</p:sld>
+</file>
+
+<file path=ppt/slides/slide5.xml><?xml version="1.0" encoding="utf-8"?>
+<p:sld xmlns:a="http://schemas.openxmlformats.org/drawingml/2006/main" xmlns:r="http://schemas.openxmlformats.org/officeDocument/2006/relationships" xmlns:p="http://schemas.openxmlformats.org/presentationml/2006/main">
+  <p:cSld name="Slide 5">
+    <p:spTree>
+      <p:nvGrpSpPr>
+        <p:cNvPr id="1" name=""/>
+        <p:cNvGrpSpPr/>
+        <p:nvPr/>
+      </p:nvGrpSpPr>
+      <p:grpSpPr>
+        <a:xfrm>
+          <a:off x="0" y="0"/>
+          <a:ext cx="0" cy="0"/>
+          <a:chOff x="0" y="0"/>
+          <a:chExt cx="0" cy="0"/>
+        </a:xfrm>
+      </p:grpSpPr>
+      <p:sp>
+        <p:nvSpPr>
+          <p:cNvPr id="2" name="Shape 0"/>
+          <p:cNvSpPr/>
+          <p:nvPr/>
+        </p:nvSpPr>
+        <p:spPr>
+          <a:xfrm>
+            <a:off x="0" y="0"/>
+            <a:ext cx="9144000" cy="5143500"/>
+          </a:xfrm>
+          <a:prstGeom prst="rect">
+            <a:avLst/>
+          </a:prstGeom>
+          <a:solidFill>
+            <a:srgbClr val="9013FE"/>
+          </a:solidFill>
+          <a:ln/>
+        </p:spPr>
+      </p:sp>
+      <p:sp>
+        <p:nvSpPr>
+          <p:cNvPr id="3" name="Text 1"/>
+          <p:cNvSpPr/>
+          <p:nvPr/>
+        </p:nvSpPr>
+        <p:spPr>
+          <a:xfrm>
+            <a:off x="914400" y="914400"/>
+            <a:ext cx="7315200" cy="0"/>
+          </a:xfrm>
+          <a:prstGeom prst="rect">
+            <a:avLst/>
+          </a:prstGeom>
+          <a:noFill/>
+          <a:ln/>
+        </p:spPr>
+        <p:txBody>
+          <a:bodyPr wrap="square" rtlCol="0" anchor="t"/>
+          <a:lstStyle/>
+          <a:p>
+            <a:pPr indent="0" marL="0">
+              <a:buNone/>
+            </a:pPr>
+            <a:r>
+              <a:rPr lang="en-US" sz="1500" b="1" dirty="0">
+                <a:solidFill>
+                  <a:srgbClr val="FFFFFF"/>
+                </a:solidFill>
+              </a:rPr>
+              <a:t>Этические и социальные аспекты развития ИИ</a:t>
+            </a:r>
+            <a:endParaRPr lang="en-US" sz="1500" dirty="0"/>
+          </a:p>
+        </p:txBody>
+      </p:sp>
+      <p:sp>
+        <p:nvSpPr>
+          <p:cNvPr id="4" name="Text 2"/>
+          <p:cNvSpPr/>
+          <p:nvPr/>
+        </p:nvSpPr>
+        <p:spPr>
+          <a:xfrm>
+            <a:off x="914400" y="1828800"/>
+            <a:ext cx="7315200" cy="0"/>
+          </a:xfrm>
+          <a:prstGeom prst="rect">
+            <a:avLst/>
+          </a:prstGeom>
+          <a:noFill/>
+          <a:ln/>
+        </p:spPr>
+        <p:txBody>
+          <a:bodyPr wrap="square" rtlCol="0" anchor="t"/>
+          <a:lstStyle/>
+          <a:p>
+            <a:pPr indent="0" marL="0">
+              <a:buNone/>
+            </a:pPr>
+            <a:r>
+              <a:rPr lang="en-US" sz="1112" dirty="0">
+                <a:solidFill>
+                  <a:srgbClr val="FFFFFF"/>
+                </a:solidFill>
+              </a:rPr>
+              <a:t>Развитие ИИ ставит перед обществом ряд сложных этических и социальных вопросов.  Один из главных – это проблема предвзятости в алгоритмах, которая может приводить к дискриминации определенных групп населения.  Обеспечение справедливости и прозрачности ИИ-систем является ключевой задачей.  Другой важный аспект – это вопрос ответственности за действия ИИ.  Кто несет ответственность, если автономный автомобиль попадает в аварию?  Необходимость в разработке четких правовых норм и этических принципов регулирования ИИ становится все более очевидной.  Кроме того,  важно учитывать влияние ИИ на рынок труда, образование и социальное неравенство.  Ответственное развитие ИИ требует активного участия всех заинтересованных сторон – исследователей, разработчиков, политиков и общественности – в разработке стратегий, направленных на минимизацию рисков и максимизацию выгод от использования ИИ.</a:t>
+            </a:r>
+            <a:endParaRPr lang="en-US" sz="1112" dirty="0"/>
+          </a:p>
+        </p:txBody>
+      </p:sp>
+    </p:spTree>
+  </p:cSld>
+  <p:clrMapOvr>
+    <a:masterClrMapping/>
+  </p:clrMapOvr>
+</p:sld>
+</file>
+
+<file path=ppt/slides/slide6.xml><?xml version="1.0" encoding="utf-8"?>
+<p:sld xmlns:a="http://schemas.openxmlformats.org/drawingml/2006/main" xmlns:r="http://schemas.openxmlformats.org/officeDocument/2006/relationships" xmlns:p="http://schemas.openxmlformats.org/presentationml/2006/main">
+  <p:cSld name="Slide 6">
+    <p:spTree>
+      <p:nvGrpSpPr>
+        <p:cNvPr id="1" name=""/>
+        <p:cNvGrpSpPr/>
+        <p:nvPr/>
+      </p:nvGrpSpPr>
+      <p:grpSpPr>
+        <a:xfrm>
+          <a:off x="0" y="0"/>
+          <a:ext cx="0" cy="0"/>
+          <a:chOff x="0" y="0"/>
+          <a:chExt cx="0" cy="0"/>
+        </a:xfrm>
+      </p:grpSpPr>
+      <p:sp>
+        <p:nvSpPr>
+          <p:cNvPr id="2" name="Shape 0"/>
+          <p:cNvSpPr/>
+          <p:nvPr/>
+        </p:nvSpPr>
+        <p:spPr>
+          <a:xfrm>
+            <a:off x="0" y="0"/>
+            <a:ext cx="9144000" cy="5143500"/>
+          </a:xfrm>
+          <a:prstGeom prst="rect">
+            <a:avLst/>
+          </a:prstGeom>
+          <a:solidFill>
+            <a:srgbClr val="9013FE"/>
+          </a:solidFill>
+          <a:ln/>
+        </p:spPr>
+      </p:sp>
+      <p:sp>
+        <p:nvSpPr>
+          <p:cNvPr id="3" name="Text 1"/>
+          <p:cNvSpPr/>
+          <p:nvPr/>
+        </p:nvSpPr>
+        <p:spPr>
+          <a:xfrm>
+            <a:off x="914400" y="914400"/>
+            <a:ext cx="7315200" cy="0"/>
+          </a:xfrm>
+          <a:prstGeom prst="rect">
+            <a:avLst/>
+          </a:prstGeom>
+          <a:noFill/>
+          <a:ln/>
+        </p:spPr>
+        <p:txBody>
+          <a:bodyPr wrap="square" rtlCol="0" anchor="t"/>
+          <a:lstStyle/>
+          <a:p>
+            <a:pPr indent="0" marL="0">
+              <a:buNone/>
+            </a:pPr>
+            <a:r>
+              <a:rPr lang="en-US" sz="1500" b="1" dirty="0">
+                <a:solidFill>
+                  <a:srgbClr val="FFFFFF"/>
+                </a:solidFill>
+              </a:rPr>
+              <a:t>Заключение: будущее с ИИ</a:t>
+            </a:r>
+            <a:endParaRPr lang="en-US" sz="1500" dirty="0"/>
+          </a:p>
+        </p:txBody>
+      </p:sp>
+      <p:sp>
+        <p:nvSpPr>
+          <p:cNvPr id="4" name="Text 2"/>
+          <p:cNvSpPr/>
+          <p:nvPr/>
+        </p:nvSpPr>
+        <p:spPr>
+          <a:xfrm>
+            <a:off x="914400" y="1828800"/>
+            <a:ext cx="7315200" cy="0"/>
+          </a:xfrm>
+          <a:prstGeom prst="rect">
+            <a:avLst/>
+          </a:prstGeom>
+          <a:noFill/>
+          <a:ln/>
+        </p:spPr>
+        <p:txBody>
+          <a:bodyPr wrap="square" rtlCol="0" anchor="t"/>
+          <a:lstStyle/>
+          <a:p>
+            <a:pPr indent="0" marL="0">
+              <a:buNone/>
+            </a:pPr>
+            <a:r>
+              <a:rPr lang="en-US" sz="1125" dirty="0">
+                <a:solidFill>
+                  <a:srgbClr val="FFFFFF"/>
+                </a:solidFill>
+              </a:rPr>
+              <a:t>Искусственный интеллект – это мощный инструмент, который может быть использован как во благо, так и во вред человечеству.  Будущее, в котором ИИ играет значительную роль, зависит от наших решений и действий сегодня.  Необходимо инвестировать в исследования и разработки, направленные на создание безопасного, этичного и справедливого ИИ.  Важно также развивать образовательные программы, которые помогут людям адаптироваться к изменениям на рынке труда и освоить новые профессии, связанные с ИИ.  Только ответственный подход к развитию и применению ИИ позволит нам использовать его потенциал для решения глобальных проблем и построения лучшего будущего для всех.  Продолжение исследований и открытый диалог между специалистами, политиками и общественностью  — залог успешной интеграции ИИ в нашу жизнь.</a:t>
+            </a:r>
+            <a:endParaRPr lang="en-US" sz="1125" dirty="0"/>
           </a:p>
         </p:txBody>
       </p:sp>
